--- a/Slides/Week 3 - Dictionary.pptx
+++ b/Slides/Week 3 - Dictionary.pptx
@@ -405,7 +405,7 @@
             <a:fld id="{9D21D778-B565-4D7E-94D7-64010A445B68}" type="datetimeFigureOut">
               <a:rPr lang="en-US" smtClean="0"/>
               <a:pPr/>
-              <a:t>2/7/2019</a:t>
+              <a:t>2/10/2019</a:t>
             </a:fld>
             <a:endParaRPr lang="en-US"/>
           </a:p>
@@ -806,7 +806,7 @@
             <a:fld id="{9D21D778-B565-4D7E-94D7-64010A445B68}" type="datetimeFigureOut">
               <a:rPr lang="en-US" smtClean="0"/>
               <a:pPr/>
-              <a:t>2/7/2019</a:t>
+              <a:t>2/10/2019</a:t>
             </a:fld>
             <a:endParaRPr lang="en-US"/>
           </a:p>
@@ -1341,7 +1341,7 @@
             <a:fld id="{9D21D778-B565-4D7E-94D7-64010A445B68}" type="datetimeFigureOut">
               <a:rPr lang="en-US" smtClean="0"/>
               <a:pPr/>
-              <a:t>2/7/2019</a:t>
+              <a:t>2/10/2019</a:t>
             </a:fld>
             <a:endParaRPr lang="en-US"/>
           </a:p>
@@ -1475,7 +1475,7 @@
             <a:fld id="{9D21D778-B565-4D7E-94D7-64010A445B68}" type="datetimeFigureOut">
               <a:rPr lang="en-US" smtClean="0"/>
               <a:pPr/>
-              <a:t>2/7/2019</a:t>
+              <a:t>2/10/2019</a:t>
             </a:fld>
             <a:endParaRPr lang="en-US"/>
           </a:p>
@@ -2020,7 +2020,7 @@
             <a:fld id="{9D21D778-B565-4D7E-94D7-64010A445B68}" type="datetimeFigureOut">
               <a:rPr lang="en-US" smtClean="0"/>
               <a:pPr/>
-              <a:t>2/7/2019</a:t>
+              <a:t>2/10/2019</a:t>
             </a:fld>
             <a:endParaRPr lang="en-US"/>
           </a:p>
@@ -2323,7 +2323,7 @@
             <a:fld id="{9D21D778-B565-4D7E-94D7-64010A445B68}" type="datetimeFigureOut">
               <a:rPr lang="en-US" smtClean="0"/>
               <a:pPr/>
-              <a:t>2/7/2019</a:t>
+              <a:t>2/10/2019</a:t>
             </a:fld>
             <a:endParaRPr lang="en-US"/>
           </a:p>
@@ -2984,7 +2984,7 @@
             <a:fld id="{9D21D778-B565-4D7E-94D7-64010A445B68}" type="datetimeFigureOut">
               <a:rPr lang="en-US" smtClean="0"/>
               <a:pPr/>
-              <a:t>2/7/2019</a:t>
+              <a:t>2/10/2019</a:t>
             </a:fld>
             <a:endParaRPr lang="en-US"/>
           </a:p>
@@ -3423,7 +3423,7 @@
             <a:fld id="{9D21D778-B565-4D7E-94D7-64010A445B68}" type="datetimeFigureOut">
               <a:rPr lang="en-US" smtClean="0"/>
               <a:pPr/>
-              <a:t>2/7/2019</a:t>
+              <a:t>2/10/2019</a:t>
             </a:fld>
             <a:endParaRPr lang="en-US"/>
           </a:p>
@@ -3738,7 +3738,7 @@
             <a:fld id="{9D21D778-B565-4D7E-94D7-64010A445B68}" type="datetimeFigureOut">
               <a:rPr lang="en-US" smtClean="0"/>
               <a:pPr/>
-              <a:t>2/7/2019</a:t>
+              <a:t>2/10/2019</a:t>
             </a:fld>
             <a:endParaRPr lang="en-US"/>
           </a:p>
@@ -4483,7 +4483,7 @@
             <a:fld id="{9D21D778-B565-4D7E-94D7-64010A445B68}" type="datetimeFigureOut">
               <a:rPr lang="en-US" smtClean="0"/>
               <a:pPr/>
-              <a:t>2/7/2019</a:t>
+              <a:t>2/10/2019</a:t>
             </a:fld>
             <a:endParaRPr lang="en-US"/>
           </a:p>
@@ -5149,7 +5149,7 @@
             <a:fld id="{9D21D778-B565-4D7E-94D7-64010A445B68}" type="datetimeFigureOut">
               <a:rPr lang="en-US" smtClean="0"/>
               <a:pPr/>
-              <a:t>2/7/2019</a:t>
+              <a:t>2/10/2019</a:t>
             </a:fld>
             <a:endParaRPr lang="en-US" dirty="0"/>
           </a:p>
@@ -5424,7 +5424,7 @@
             <a:fld id="{9D21D778-B565-4D7E-94D7-64010A445B68}" type="datetimeFigureOut">
               <a:rPr lang="en-US" smtClean="0"/>
               <a:pPr algn="r" eaLnBrk="1" latinLnBrk="0" hangingPunct="1"/>
-              <a:t>2/7/2019</a:t>
+              <a:t>2/10/2019</a:t>
             </a:fld>
             <a:endParaRPr lang="en-US" sz="1400" dirty="0">
               <a:solidFill>
@@ -7240,7 +7240,19 @@
                 <a:latin typeface="Khmer OS Siemreap" pitchFamily="2" charset="0"/>
                 <a:cs typeface="Khmer OS Siemreap" pitchFamily="2" charset="0"/>
               </a:rPr>
-              <a:t>Loop </a:t>
+              <a:t>Loop through your </a:t>
+            </a:r>
+            <a:r>
+              <a:rPr lang="en-US" sz="3600" b="1" dirty="0" smtClean="0">
+                <a:solidFill>
+                  <a:schemeClr val="bg2">
+                    <a:lumMod val="50000"/>
+                  </a:schemeClr>
+                </a:solidFill>
+                <a:latin typeface="Consolas" pitchFamily="49" charset="0"/>
+                <a:cs typeface="Khmer OS Siemreap" pitchFamily="2" charset="0"/>
+              </a:rPr>
+              <a:t>friends</a:t>
             </a:r>
             <a:r>
               <a:rPr lang="en-US" sz="3600" dirty="0" smtClean="0">
@@ -7252,55 +7264,7 @@
                 <a:latin typeface="Khmer OS Siemreap" pitchFamily="2" charset="0"/>
                 <a:cs typeface="Khmer OS Siemreap" pitchFamily="2" charset="0"/>
               </a:rPr>
-              <a:t>through your </a:t>
-            </a:r>
-            <a:r>
-              <a:rPr lang="en-US" sz="3600" b="1" dirty="0" smtClean="0">
-                <a:solidFill>
-                  <a:schemeClr val="bg2">
-                    <a:lumMod val="50000"/>
-                  </a:schemeClr>
-                </a:solidFill>
-                <a:latin typeface="Consolas" pitchFamily="49" charset="0"/>
-                <a:cs typeface="Khmer OS Siemreap" pitchFamily="2" charset="0"/>
-              </a:rPr>
-              <a:t>friends</a:t>
-            </a:r>
-            <a:r>
-              <a:rPr lang="en-US" sz="3600" dirty="0" smtClean="0">
-                <a:solidFill>
-                  <a:schemeClr val="bg2">
-                    <a:lumMod val="50000"/>
-                  </a:schemeClr>
-                </a:solidFill>
-                <a:latin typeface="Khmer OS Siemreap" pitchFamily="2" charset="0"/>
-                <a:cs typeface="Khmer OS Siemreap" pitchFamily="2" charset="0"/>
-              </a:rPr>
-              <a:t> </a:t>
-            </a:r>
-            <a:r>
-              <a:rPr lang="en-US" sz="3600" dirty="0" smtClean="0">
-                <a:solidFill>
-                  <a:schemeClr val="bg2">
-                    <a:lumMod val="50000"/>
-                  </a:schemeClr>
-                </a:solidFill>
-                <a:latin typeface="Khmer OS Siemreap" pitchFamily="2" charset="0"/>
-                <a:cs typeface="Khmer OS Siemreap" pitchFamily="2" charset="0"/>
-              </a:rPr>
-              <a:t>list. </a:t>
-            </a:r>
-            <a:r>
-              <a:rPr lang="en-US" sz="3600" dirty="0" smtClean="0">
-                <a:solidFill>
-                  <a:schemeClr val="bg2">
-                    <a:lumMod val="50000"/>
-                  </a:schemeClr>
-                </a:solidFill>
-                <a:latin typeface="Khmer OS Siemreap" pitchFamily="2" charset="0"/>
-                <a:cs typeface="Khmer OS Siemreap" pitchFamily="2" charset="0"/>
-              </a:rPr>
-              <a:t>And print everything you store for each friend.</a:t>
+              <a:t> list. And print everything you store for each friend.</a:t>
             </a:r>
             <a:endParaRPr lang="en-US" sz="3600" dirty="0">
               <a:solidFill>
@@ -8756,13 +8720,19 @@
               <a:rPr lang="en-US" sz="2400" dirty="0" err="1" smtClean="0">
                 <a:latin typeface="Century Gothic" pitchFamily="34" charset="0"/>
               </a:rPr>
-              <a:t>car_year</a:t>
+              <a:t>car_price</a:t>
             </a:r>
             <a:r>
               <a:rPr lang="en-US" sz="2400" dirty="0" smtClean="0">
                 <a:latin typeface="Century Gothic" pitchFamily="34" charset="0"/>
               </a:rPr>
-              <a:t> = car.</a:t>
+              <a:t> </a:t>
+            </a:r>
+            <a:r>
+              <a:rPr lang="en-US" sz="2400" dirty="0" smtClean="0">
+                <a:latin typeface="Century Gothic" pitchFamily="34" charset="0"/>
+              </a:rPr>
+              <a:t>= car.</a:t>
             </a:r>
             <a:r>
               <a:rPr lang="en-US" sz="2400" b="1" dirty="0" smtClean="0">
